--- a/Later/JavaIO/JavaIO_122/Java_listOutFiles.pptx
+++ b/Later/JavaIO/JavaIO_122/Java_listOutFiles.pptx
@@ -3652,8 +3652,8 @@
         </p:nvSpPr>
         <p:spPr>
           <a:xfrm>
-            <a:off x="3657600" y="35739"/>
-            <a:ext cx="1371600" cy="276999"/>
+            <a:off x="3254841" y="35739"/>
+            <a:ext cx="2555598" cy="276999"/>
           </a:xfrm>
           <a:prstGeom prst="rect">
             <a:avLst/>
@@ -3682,19 +3682,7 @@
             <a:pPr algn="ctr"/>
             <a:r>
               <a:rPr lang="en-US" sz="1200" dirty="0"/>
-              <a:t>Java </a:t>
-            </a:r>
-            <a:r>
-              <a:rPr lang="en-US" sz="1200" dirty="0" smtClean="0"/>
-              <a:t>List Out</a:t>
-            </a:r>
-            <a:r>
-              <a:rPr lang="en-US" sz="1200" dirty="0" smtClean="0"/>
-              <a:t> </a:t>
-            </a:r>
-            <a:r>
-              <a:rPr lang="en-US" sz="1200" dirty="0" smtClean="0"/>
-              <a:t>files</a:t>
+              <a:t>Find files with certain extension only</a:t>
             </a:r>
             <a:endParaRPr lang="en-US" sz="1200" dirty="0"/>
           </a:p>
@@ -3708,7 +3696,7 @@
         </p:nvSpPr>
         <p:spPr>
           <a:xfrm>
-            <a:off x="1429215" y="2162175"/>
+            <a:off x="1429214" y="2162175"/>
             <a:ext cx="1825625" cy="1371600"/>
           </a:xfrm>
           <a:prstGeom prst="roundRect">
@@ -3891,13 +3879,6 @@
               </a:rPr>
               <a:t>Java.txt</a:t>
             </a:r>
-            <a:endParaRPr lang="en-US" dirty="0">
-              <a:solidFill>
-                <a:schemeClr val="accent6">
-                  <a:lumMod val="50000"/>
-                </a:schemeClr>
-              </a:solidFill>
-            </a:endParaRPr>
           </a:p>
         </p:txBody>
       </p:sp>
@@ -3947,8 +3928,8 @@
         </p:nvSpPr>
         <p:spPr>
           <a:xfrm>
-            <a:off x="3692680" y="2342376"/>
-            <a:ext cx="2117759" cy="276999"/>
+            <a:off x="3382916" y="2246083"/>
+            <a:ext cx="2688428" cy="276999"/>
           </a:xfrm>
           <a:prstGeom prst="rect">
             <a:avLst/>
@@ -3976,11 +3957,11 @@
           <a:p>
             <a:r>
               <a:rPr lang="en-US" sz="1200" dirty="0" smtClean="0"/>
-              <a:t>List out only </a:t>
+              <a:t>Find and List </a:t>
             </a:r>
             <a:r>
               <a:rPr lang="en-US" sz="1200" dirty="0" smtClean="0"/>
-              <a:t>.txt extension files</a:t>
+              <a:t>out only .txt extension files</a:t>
             </a:r>
             <a:endParaRPr lang="en-US" sz="1200" dirty="0"/>
           </a:p>
